--- a/ppt/1st.pptx
+++ b/ppt/1st.pptx
@@ -5476,7 +5476,7 @@
           <a:bodyPr/>
           <a:lstStyle/>
           <a:p>
-            <a:endParaRPr lang="en-US"/>
+            <a:endParaRPr lang="en-US" dirty="0"/>
           </a:p>
         </p:txBody>
       </p:sp>
